--- a/folded_gilbert/seminar/20231002/周波数特性劣化の原因特定.pptx
+++ b/folded_gilbert/seminar/20231002/周波数特性劣化の原因特定.pptx
@@ -123,6 +123,11 @@
       </a:defRPr>
     </a:lvl9pPr>
   </p:defaultTextStyle>
+  <p:extLst>
+    <p:ext uri="{EFAFB233-063F-42B5-8137-9DF3F51BA10A}">
+      <p15:sldGuideLst xmlns:p15="http://schemas.microsoft.com/office/powerpoint/2012/main"/>
+    </p:ext>
+  </p:extLst>
 </p:presentation>
 </file>
 
@@ -208,7 +213,7 @@
           <a:p>
             <a:fld id="{1ECA169D-6DA2-4F59-A4D9-290C1D6388C2}" type="datetimeFigureOut">
               <a:rPr kumimoji="1" lang="ja-JP" altLang="en-US" smtClean="0"/>
-              <a:t>2023/9/25</a:t>
+              <a:t>2023/9/26</a:t>
             </a:fld>
             <a:endParaRPr kumimoji="1" lang="ja-JP" altLang="en-US"/>
           </a:p>
@@ -654,7 +659,7 @@
           <a:p>
             <a:fld id="{471890BB-A3FC-4EA8-BD32-4C0A89225977}" type="datetime1">
               <a:rPr kumimoji="1" lang="ja-JP" altLang="en-US" smtClean="0"/>
-              <a:t>2023/9/25</a:t>
+              <a:t>2023/9/26</a:t>
             </a:fld>
             <a:endParaRPr kumimoji="1" lang="ja-JP" altLang="en-US"/>
           </a:p>
@@ -884,7 +889,7 @@
           <a:p>
             <a:fld id="{EFA1495B-D321-41E4-8D09-34C1A0BE9322}" type="datetime1">
               <a:rPr kumimoji="1" lang="ja-JP" altLang="en-US" smtClean="0"/>
-              <a:t>2023/9/25</a:t>
+              <a:t>2023/9/26</a:t>
             </a:fld>
             <a:endParaRPr kumimoji="1" lang="ja-JP" altLang="en-US"/>
           </a:p>
@@ -1124,7 +1129,7 @@
           <a:p>
             <a:fld id="{685DF256-5C06-4BED-A556-CEA4A9D244B6}" type="datetime1">
               <a:rPr kumimoji="1" lang="ja-JP" altLang="en-US" smtClean="0"/>
-              <a:t>2023/9/25</a:t>
+              <a:t>2023/9/26</a:t>
             </a:fld>
             <a:endParaRPr kumimoji="1" lang="ja-JP" altLang="en-US"/>
           </a:p>
@@ -1354,7 +1359,7 @@
           <a:p>
             <a:fld id="{BFCD0C86-C6AB-41A7-9AEE-46EBA6B961E1}" type="datetime1">
               <a:rPr kumimoji="1" lang="ja-JP" altLang="en-US" smtClean="0"/>
-              <a:t>2023/9/25</a:t>
+              <a:t>2023/9/26</a:t>
             </a:fld>
             <a:endParaRPr kumimoji="1" lang="ja-JP" altLang="en-US"/>
           </a:p>
@@ -1629,7 +1634,7 @@
           <a:p>
             <a:fld id="{B634AF60-CC5F-46C4-ABA3-7494F6396695}" type="datetime1">
               <a:rPr kumimoji="1" lang="ja-JP" altLang="en-US" smtClean="0"/>
-              <a:t>2023/9/25</a:t>
+              <a:t>2023/9/26</a:t>
             </a:fld>
             <a:endParaRPr kumimoji="1" lang="ja-JP" altLang="en-US"/>
           </a:p>
@@ -1958,7 +1963,7 @@
           <a:p>
             <a:fld id="{A45645D6-224B-4959-A077-BF5679C3616D}" type="datetime1">
               <a:rPr kumimoji="1" lang="ja-JP" altLang="en-US" smtClean="0"/>
-              <a:t>2023/9/25</a:t>
+              <a:t>2023/9/26</a:t>
             </a:fld>
             <a:endParaRPr kumimoji="1" lang="ja-JP" altLang="en-US"/>
           </a:p>
@@ -2434,7 +2439,7 @@
           <a:p>
             <a:fld id="{2B3C997A-A3AB-48BB-B00C-1F97C8CC5087}" type="datetime1">
               <a:rPr kumimoji="1" lang="ja-JP" altLang="en-US" smtClean="0"/>
-              <a:t>2023/9/25</a:t>
+              <a:t>2023/9/26</a:t>
             </a:fld>
             <a:endParaRPr kumimoji="1" lang="ja-JP" altLang="en-US"/>
           </a:p>
@@ -2575,7 +2580,7 @@
           <a:p>
             <a:fld id="{AF531402-0F35-4287-808D-51DF891FCF56}" type="datetime1">
               <a:rPr kumimoji="1" lang="ja-JP" altLang="en-US" smtClean="0"/>
-              <a:t>2023/9/25</a:t>
+              <a:t>2023/9/26</a:t>
             </a:fld>
             <a:endParaRPr kumimoji="1" lang="ja-JP" altLang="en-US"/>
           </a:p>
@@ -2688,7 +2693,7 @@
           <a:p>
             <a:fld id="{8C16A481-06D2-46AB-A0F7-D83558CB0693}" type="datetime1">
               <a:rPr kumimoji="1" lang="ja-JP" altLang="en-US" smtClean="0"/>
-              <a:t>2023/9/25</a:t>
+              <a:t>2023/9/26</a:t>
             </a:fld>
             <a:endParaRPr kumimoji="1" lang="ja-JP" altLang="en-US"/>
           </a:p>
@@ -3031,7 +3036,7 @@
           <a:p>
             <a:fld id="{992F82C2-C54D-43DD-B98A-2AA02898D3E9}" type="datetime1">
               <a:rPr kumimoji="1" lang="ja-JP" altLang="en-US" smtClean="0"/>
-              <a:t>2023/9/25</a:t>
+              <a:t>2023/9/26</a:t>
             </a:fld>
             <a:endParaRPr kumimoji="1" lang="ja-JP" altLang="en-US"/>
           </a:p>
@@ -3319,7 +3324,7 @@
           <a:p>
             <a:fld id="{D9092FD4-F470-4D8E-8EE4-7CE2E84E3ABF}" type="datetime1">
               <a:rPr kumimoji="1" lang="ja-JP" altLang="en-US" smtClean="0"/>
-              <a:t>2023/9/25</a:t>
+              <a:t>2023/9/26</a:t>
             </a:fld>
             <a:endParaRPr kumimoji="1" lang="ja-JP" altLang="en-US"/>
           </a:p>
@@ -3592,7 +3597,7 @@
           <a:p>
             <a:fld id="{2C97ADCB-2EB3-428C-8CC5-2862C50D23B5}" type="datetime1">
               <a:rPr kumimoji="1" lang="ja-JP" altLang="en-US" smtClean="0"/>
-              <a:t>2023/9/25</a:t>
+              <a:t>2023/9/26</a:t>
             </a:fld>
             <a:endParaRPr kumimoji="1" lang="ja-JP" altLang="en-US"/>
           </a:p>
@@ -4404,8 +4409,8 @@
           </a:p>
         </p:txBody>
       </p:sp>
-      <mc:AlternateContent xmlns:mc="http://schemas.openxmlformats.org/markup-compatibility/2006">
-        <mc:Choice xmlns:a14="http://schemas.microsoft.com/office/drawing/2010/main" Requires="a14">
+      <mc:AlternateContent xmlns:mc="http://schemas.openxmlformats.org/markup-compatibility/2006" xmlns:a14="http://schemas.microsoft.com/office/drawing/2010/main">
+        <mc:Choice Requires="a14">
           <p:sp>
             <p:nvSpPr>
               <p:cNvPr id="3" name="テキスト ボックス 2">
@@ -4476,7 +4481,7 @@
             </p:txBody>
           </p:sp>
         </mc:Choice>
-        <mc:Fallback>
+        <mc:Fallback xmlns="">
           <p:sp>
             <p:nvSpPr>
               <p:cNvPr id="3" name="テキスト ボックス 2">
@@ -16495,12 +16500,12 @@
               <a:rPr kumimoji="1" lang="ja-JP" altLang="en-US" smtClean="0"/>
               <a:t>16</a:t>
             </a:fld>
-            <a:endParaRPr kumimoji="1" lang="ja-JP" altLang="en-US"/>
+            <a:endParaRPr kumimoji="1" lang="ja-JP" altLang="en-US" dirty="0"/>
           </a:p>
         </p:txBody>
       </p:sp>
-      <mc:AlternateContent xmlns:mc="http://schemas.openxmlformats.org/markup-compatibility/2006" xmlns:a14="http://schemas.microsoft.com/office/drawing/2010/main">
-        <mc:Choice Requires="a14">
+      <mc:AlternateContent xmlns:mc="http://schemas.openxmlformats.org/markup-compatibility/2006">
+        <mc:Choice xmlns:a14="http://schemas.microsoft.com/office/drawing/2010/main" Requires="a14">
           <p:sp>
             <p:nvSpPr>
               <p:cNvPr id="4" name="テキスト ボックス 3">
@@ -17980,7 +17985,7 @@
               <a:p>
                 <a:r>
                   <a:rPr lang="ja-JP" altLang="en-US" sz="2000" dirty="0"/>
-                  <a:t>即ち、寄生容量についてはゲートドレイン間の物が最も影響が大きく、その折れ点角周波数は</a:t>
+                  <a:t>即ち、寄生容量についてはゲートドレイン間の物が最も影響が大きく、その遮断周波数は</a:t>
                 </a:r>
                 <a:endParaRPr lang="en-US" altLang="ja-JP" sz="2000" dirty="0"/>
               </a:p>
@@ -18132,7 +18137,7 @@
             </p:txBody>
           </p:sp>
         </mc:Choice>
-        <mc:Fallback xmlns="">
+        <mc:Fallback>
           <p:sp>
             <p:nvSpPr>
               <p:cNvPr id="4" name="テキスト ボックス 3">
@@ -18177,6 +18182,72 @@
           </p:sp>
         </mc:Fallback>
       </mc:AlternateContent>
+      <p:sp>
+        <p:nvSpPr>
+          <p:cNvPr id="5" name="正方形/長方形 4">
+            <a:extLst>
+              <a:ext uri="{FF2B5EF4-FFF2-40B4-BE49-F238E27FC236}">
+                <a16:creationId xmlns:a16="http://schemas.microsoft.com/office/drawing/2014/main" id="{6EF832BA-DC35-05ED-FE56-D3B086F17D0A}"/>
+              </a:ext>
+            </a:extLst>
+          </p:cNvPr>
+          <p:cNvSpPr/>
+          <p:nvPr/>
+        </p:nvSpPr>
+        <p:spPr>
+          <a:xfrm>
+            <a:off x="7456502" y="5448290"/>
+            <a:ext cx="5051395" cy="962087"/>
+          </a:xfrm>
+          <a:prstGeom prst="rect">
+            <a:avLst/>
+          </a:prstGeom>
+        </p:spPr>
+        <p:style>
+          <a:lnRef idx="2">
+            <a:schemeClr val="accent1">
+              <a:shade val="15000"/>
+            </a:schemeClr>
+          </a:lnRef>
+          <a:fillRef idx="1">
+            <a:schemeClr val="accent1"/>
+          </a:fillRef>
+          <a:effectRef idx="0">
+            <a:schemeClr val="accent1"/>
+          </a:effectRef>
+          <a:fontRef idx="minor">
+            <a:schemeClr val="lt1"/>
+          </a:fontRef>
+        </p:style>
+        <p:txBody>
+          <a:bodyPr rtlCol="0" anchor="ctr"/>
+          <a:lstStyle/>
+          <a:p>
+            <a:pPr algn="ctr"/>
+            <a:r>
+              <a:rPr kumimoji="1" lang="ja-JP" altLang="en-US" dirty="0"/>
+              <a:t>これは間違い</a:t>
+            </a:r>
+            <a:endParaRPr kumimoji="1" lang="en-US" altLang="ja-JP" dirty="0"/>
+          </a:p>
+          <a:p>
+            <a:pPr algn="ctr"/>
+            <a:r>
+              <a:rPr lang="ja-JP" altLang="en-US" dirty="0"/>
+              <a:t>遮断周波数は実部</a:t>
+            </a:r>
+            <a:r>
+              <a:rPr lang="en-US" altLang="ja-JP" dirty="0"/>
+              <a:t>=</a:t>
+            </a:r>
+            <a:r>
+              <a:rPr lang="ja-JP" altLang="en-US" dirty="0"/>
+              <a:t>虚部になる周波数</a:t>
+            </a:r>
+            <a:endParaRPr kumimoji="1" lang="ja-JP" altLang="en-US" dirty="0"/>
+          </a:p>
+        </p:txBody>
+      </p:sp>
     </p:spTree>
     <p:extLst>
       <p:ext uri="{BB962C8B-B14F-4D97-AF65-F5344CB8AC3E}">
@@ -19068,8 +19139,8 @@
           </a:p>
         </p:txBody>
       </p:sp>
-      <mc:AlternateContent xmlns:mc="http://schemas.openxmlformats.org/markup-compatibility/2006">
-        <mc:Choice xmlns:a14="http://schemas.microsoft.com/office/drawing/2010/main" Requires="a14">
+      <mc:AlternateContent xmlns:mc="http://schemas.openxmlformats.org/markup-compatibility/2006" xmlns:a14="http://schemas.microsoft.com/office/drawing/2010/main">
+        <mc:Choice Requires="a14">
           <p:sp>
             <p:nvSpPr>
               <p:cNvPr id="11" name="テキスト ボックス 10">
@@ -19193,7 +19264,7 @@
             </p:txBody>
           </p:sp>
         </mc:Choice>
-        <mc:Fallback>
+        <mc:Fallback xmlns="">
           <p:sp>
             <p:nvSpPr>
               <p:cNvPr id="11" name="テキスト ボックス 10">
@@ -19660,8 +19731,8 @@
           </a:prstGeom>
         </p:spPr>
       </p:pic>
-      <mc:AlternateContent xmlns:mc="http://schemas.openxmlformats.org/markup-compatibility/2006">
-        <mc:Choice xmlns:a14="http://schemas.microsoft.com/office/drawing/2010/main" Requires="a14">
+      <mc:AlternateContent xmlns:mc="http://schemas.openxmlformats.org/markup-compatibility/2006" xmlns:a14="http://schemas.microsoft.com/office/drawing/2010/main">
+        <mc:Choice Requires="a14">
           <p:sp>
             <p:nvSpPr>
               <p:cNvPr id="13" name="テキスト ボックス 12">
@@ -19818,7 +19889,7 @@
             </p:txBody>
           </p:sp>
         </mc:Choice>
-        <mc:Fallback>
+        <mc:Fallback xmlns="">
           <p:sp>
             <p:nvSpPr>
               <p:cNvPr id="13" name="テキスト ボックス 12">
@@ -19893,8 +19964,8 @@
           <a:chExt cx="0" cy="0"/>
         </a:xfrm>
       </p:grpSpPr>
-      <mc:AlternateContent xmlns:mc="http://schemas.openxmlformats.org/markup-compatibility/2006">
-        <mc:Choice xmlns:a14="http://schemas.microsoft.com/office/drawing/2010/main" Requires="a14">
+      <mc:AlternateContent xmlns:mc="http://schemas.openxmlformats.org/markup-compatibility/2006" xmlns:a14="http://schemas.microsoft.com/office/drawing/2010/main">
+        <mc:Choice Requires="a14">
           <p:sp>
             <p:nvSpPr>
               <p:cNvPr id="2" name="タイトル 1">
@@ -19957,7 +20028,7 @@
             </p:txBody>
           </p:sp>
         </mc:Choice>
-        <mc:Fallback>
+        <mc:Fallback xmlns="">
           <p:sp>
             <p:nvSpPr>
               <p:cNvPr id="2" name="タイトル 1">
@@ -20062,8 +20133,8 @@
           </a:prstGeom>
         </p:spPr>
       </p:pic>
-      <mc:AlternateContent xmlns:mc="http://schemas.openxmlformats.org/markup-compatibility/2006">
-        <mc:Choice xmlns:a14="http://schemas.microsoft.com/office/drawing/2010/main" Requires="a14">
+      <mc:AlternateContent xmlns:mc="http://schemas.openxmlformats.org/markup-compatibility/2006" xmlns:a14="http://schemas.microsoft.com/office/drawing/2010/main">
+        <mc:Choice Requires="a14">
           <p:sp>
             <p:nvSpPr>
               <p:cNvPr id="6" name="テキスト ボックス 5">
@@ -20438,6 +20509,7 @@
                 <a:endParaRPr kumimoji="1" lang="en-US" altLang="ja-JP" sz="2400" b="0" dirty="0"/>
               </a:p>
               <a:p>
+                <a:pPr/>
                 <a14:m>
                   <m:oMathPara xmlns:m="http://schemas.openxmlformats.org/officeDocument/2006/math">
                     <m:oMathParaPr>
@@ -21011,6 +21083,7 @@
                 <a:endParaRPr kumimoji="1" lang="en-US" altLang="ja-JP" sz="2400" dirty="0"/>
               </a:p>
               <a:p>
+                <a:pPr/>
                 <a14:m>
                   <m:oMathPara xmlns:m="http://schemas.openxmlformats.org/officeDocument/2006/math">
                     <m:oMathParaPr>
@@ -21173,6 +21246,7 @@
                 <a:endParaRPr kumimoji="1" lang="en-US" altLang="ja-JP" sz="2400" dirty="0"/>
               </a:p>
               <a:p>
+                <a:pPr/>
                 <a14:m>
                   <m:oMathPara xmlns:m="http://schemas.openxmlformats.org/officeDocument/2006/math">
                     <m:oMathParaPr>
@@ -21276,7 +21350,7 @@
             </p:txBody>
           </p:sp>
         </mc:Choice>
-        <mc:Fallback>
+        <mc:Fallback xmlns="">
           <p:sp>
             <p:nvSpPr>
               <p:cNvPr id="6" name="テキスト ボックス 5">
@@ -21351,8 +21425,8 @@
           <a:chExt cx="0" cy="0"/>
         </a:xfrm>
       </p:grpSpPr>
-      <mc:AlternateContent xmlns:mc="http://schemas.openxmlformats.org/markup-compatibility/2006">
-        <mc:Choice xmlns:a14="http://schemas.microsoft.com/office/drawing/2010/main" Requires="a14">
+      <mc:AlternateContent xmlns:mc="http://schemas.openxmlformats.org/markup-compatibility/2006" xmlns:a14="http://schemas.microsoft.com/office/drawing/2010/main">
+        <mc:Choice Requires="a14">
           <p:sp>
             <p:nvSpPr>
               <p:cNvPr id="2" name="タイトル 1">
@@ -21415,7 +21489,7 @@
             </p:txBody>
           </p:sp>
         </mc:Choice>
-        <mc:Fallback>
+        <mc:Fallback xmlns="">
           <p:sp>
             <p:nvSpPr>
               <p:cNvPr id="2" name="タイトル 1">
@@ -21520,8 +21594,8 @@
           </a:prstGeom>
         </p:spPr>
       </p:pic>
-      <mc:AlternateContent xmlns:mc="http://schemas.openxmlformats.org/markup-compatibility/2006">
-        <mc:Choice xmlns:a14="http://schemas.microsoft.com/office/drawing/2010/main" Requires="a14">
+      <mc:AlternateContent xmlns:mc="http://schemas.openxmlformats.org/markup-compatibility/2006" xmlns:a14="http://schemas.microsoft.com/office/drawing/2010/main">
+        <mc:Choice Requires="a14">
           <p:sp>
             <p:nvSpPr>
               <p:cNvPr id="4" name="テキスト ボックス 3">
@@ -21814,6 +21888,7 @@
                 <a:endParaRPr kumimoji="1" lang="en-US" altLang="ja-JP" sz="2400" b="0" dirty="0"/>
               </a:p>
               <a:p>
+                <a:pPr/>
                 <a14:m>
                   <m:oMathPara xmlns:m="http://schemas.openxmlformats.org/officeDocument/2006/math">
                     <m:oMathParaPr>
@@ -22330,6 +22405,7 @@
                 <a:endParaRPr kumimoji="1" lang="en-US" altLang="ja-JP" sz="2400" dirty="0"/>
               </a:p>
               <a:p>
+                <a:pPr/>
                 <a14:m>
                   <m:oMathPara xmlns:m="http://schemas.openxmlformats.org/officeDocument/2006/math">
                     <m:oMathParaPr>
@@ -22616,6 +22692,7 @@
                 <a:endParaRPr kumimoji="1" lang="en-US" altLang="ja-JP" sz="2400" dirty="0"/>
               </a:p>
               <a:p>
+                <a:pPr/>
                 <a14:m>
                   <m:oMathPara xmlns:m="http://schemas.openxmlformats.org/officeDocument/2006/math">
                     <m:oMathParaPr>
@@ -22679,7 +22756,7 @@
             </p:txBody>
           </p:sp>
         </mc:Choice>
-        <mc:Fallback>
+        <mc:Fallback xmlns="">
           <p:sp>
             <p:nvSpPr>
               <p:cNvPr id="4" name="テキスト ボックス 3">
@@ -22754,8 +22831,8 @@
           <a:chExt cx="0" cy="0"/>
         </a:xfrm>
       </p:grpSpPr>
-      <mc:AlternateContent xmlns:mc="http://schemas.openxmlformats.org/markup-compatibility/2006">
-        <mc:Choice xmlns:a14="http://schemas.microsoft.com/office/drawing/2010/main" Requires="a14">
+      <mc:AlternateContent xmlns:mc="http://schemas.openxmlformats.org/markup-compatibility/2006" xmlns:a14="http://schemas.microsoft.com/office/drawing/2010/main">
+        <mc:Choice Requires="a14">
           <p:sp>
             <p:nvSpPr>
               <p:cNvPr id="2" name="タイトル 1">
@@ -22818,7 +22895,7 @@
             </p:txBody>
           </p:sp>
         </mc:Choice>
-        <mc:Fallback>
+        <mc:Fallback xmlns="">
           <p:sp>
             <p:nvSpPr>
               <p:cNvPr id="2" name="タイトル 1">
@@ -22887,8 +22964,8 @@
           </a:p>
         </p:txBody>
       </p:sp>
-      <mc:AlternateContent xmlns:mc="http://schemas.openxmlformats.org/markup-compatibility/2006">
-        <mc:Choice xmlns:a14="http://schemas.microsoft.com/office/drawing/2010/main" Requires="a14">
+      <mc:AlternateContent xmlns:mc="http://schemas.openxmlformats.org/markup-compatibility/2006" xmlns:a14="http://schemas.microsoft.com/office/drawing/2010/main">
+        <mc:Choice Requires="a14">
           <p:sp>
             <p:nvSpPr>
               <p:cNvPr id="6" name="テキスト ボックス 5">
@@ -22917,6 +22994,7 @@
               </a:bodyPr>
               <a:lstStyle/>
               <a:p>
+                <a:pPr/>
                 <a14:m>
                   <m:oMathPara xmlns:m="http://schemas.openxmlformats.org/officeDocument/2006/math">
                     <m:oMathParaPr>
@@ -23246,6 +23324,7 @@
                 <a:endParaRPr kumimoji="1" lang="en-US" altLang="ja-JP" sz="2000" dirty="0"/>
               </a:p>
               <a:p>
+                <a:pPr/>
                 <a14:m>
                   <m:oMathPara xmlns:m="http://schemas.openxmlformats.org/officeDocument/2006/math">
                     <m:oMathParaPr>
@@ -23579,6 +23658,7 @@
                 <a:endParaRPr kumimoji="1" lang="en-US" altLang="ja-JP" sz="2000" dirty="0"/>
               </a:p>
               <a:p>
+                <a:pPr/>
                 <a14:m>
                   <m:oMathPara xmlns:m="http://schemas.openxmlformats.org/officeDocument/2006/math">
                     <m:oMathParaPr>
@@ -24118,6 +24198,7 @@
                 <a:endParaRPr kumimoji="1" lang="en-US" altLang="ja-JP" sz="2000" dirty="0"/>
               </a:p>
               <a:p>
+                <a:pPr/>
                 <a14:m>
                   <m:oMathPara xmlns:m="http://schemas.openxmlformats.org/officeDocument/2006/math">
                     <m:oMathParaPr>
@@ -24608,6 +24689,7 @@
                 <a:endParaRPr kumimoji="1" lang="en-US" altLang="ja-JP" sz="2000" dirty="0"/>
               </a:p>
               <a:p>
+                <a:pPr/>
                 <a14:m>
                   <m:oMathPara xmlns:m="http://schemas.openxmlformats.org/officeDocument/2006/math">
                     <m:oMathParaPr>
@@ -24967,7 +25049,7 @@
             </p:txBody>
           </p:sp>
         </mc:Choice>
-        <mc:Fallback>
+        <mc:Fallback xmlns="">
           <p:sp>
             <p:nvSpPr>
               <p:cNvPr id="6" name="テキスト ボックス 5">
@@ -25042,8 +25124,8 @@
           <a:chExt cx="0" cy="0"/>
         </a:xfrm>
       </p:grpSpPr>
-      <mc:AlternateContent xmlns:mc="http://schemas.openxmlformats.org/markup-compatibility/2006">
-        <mc:Choice xmlns:a14="http://schemas.microsoft.com/office/drawing/2010/main" Requires="a14">
+      <mc:AlternateContent xmlns:mc="http://schemas.openxmlformats.org/markup-compatibility/2006" xmlns:a14="http://schemas.microsoft.com/office/drawing/2010/main">
+        <mc:Choice Requires="a14">
           <p:sp>
             <p:nvSpPr>
               <p:cNvPr id="2" name="タイトル 1">
@@ -25106,7 +25188,7 @@
             </p:txBody>
           </p:sp>
         </mc:Choice>
-        <mc:Fallback>
+        <mc:Fallback xmlns="">
           <p:sp>
             <p:nvSpPr>
               <p:cNvPr id="2" name="タイトル 1">
@@ -25175,8 +25257,8 @@
           </a:p>
         </p:txBody>
       </p:sp>
-      <mc:AlternateContent xmlns:mc="http://schemas.openxmlformats.org/markup-compatibility/2006">
-        <mc:Choice xmlns:a14="http://schemas.microsoft.com/office/drawing/2010/main" Requires="a14">
+      <mc:AlternateContent xmlns:mc="http://schemas.openxmlformats.org/markup-compatibility/2006" xmlns:a14="http://schemas.microsoft.com/office/drawing/2010/main">
+        <mc:Choice Requires="a14">
           <p:sp>
             <p:nvSpPr>
               <p:cNvPr id="6" name="テキスト ボックス 5">
@@ -25205,6 +25287,7 @@
               </a:bodyPr>
               <a:lstStyle/>
               <a:p>
+                <a:pPr/>
                 <a14:m>
                   <m:oMathPara xmlns:m="http://schemas.openxmlformats.org/officeDocument/2006/math">
                     <m:oMathParaPr>
@@ -25534,6 +25617,7 @@
                 <a:endParaRPr kumimoji="1" lang="en-US" altLang="ja-JP" sz="2000" dirty="0"/>
               </a:p>
               <a:p>
+                <a:pPr/>
                 <a14:m>
                   <m:oMathPara xmlns:m="http://schemas.openxmlformats.org/officeDocument/2006/math">
                     <m:oMathParaPr>
@@ -25662,6 +25746,7 @@
                 <a:endParaRPr kumimoji="1" lang="en-US" altLang="ja-JP" sz="2000" dirty="0"/>
               </a:p>
               <a:p>
+                <a:pPr/>
                 <a14:m>
                   <m:oMathPara xmlns:m="http://schemas.openxmlformats.org/officeDocument/2006/math">
                     <m:oMathParaPr>
@@ -25883,6 +25968,7 @@
                 <a:endParaRPr kumimoji="1" lang="en-US" altLang="ja-JP" sz="2000" dirty="0"/>
               </a:p>
               <a:p>
+                <a:pPr/>
                 <a14:m>
                   <m:oMathPara xmlns:m="http://schemas.openxmlformats.org/officeDocument/2006/math">
                     <m:oMathParaPr>
@@ -26045,6 +26131,7 @@
                 <a:endParaRPr kumimoji="1" lang="en-US" altLang="ja-JP" sz="2000" b="0" dirty="0"/>
               </a:p>
               <a:p>
+                <a:pPr/>
                 <a14:m>
                   <m:oMathPara xmlns:m="http://schemas.openxmlformats.org/officeDocument/2006/math">
                     <m:oMathParaPr>
@@ -26201,6 +26288,7 @@
                 <a:endParaRPr kumimoji="1" lang="en-US" altLang="ja-JP" sz="2000" dirty="0"/>
               </a:p>
               <a:p>
+                <a:pPr/>
                 <a14:m>
                   <m:oMathPara xmlns:m="http://schemas.openxmlformats.org/officeDocument/2006/math">
                     <m:oMathParaPr>
@@ -26530,6 +26618,7 @@
                 <a:endParaRPr kumimoji="1" lang="en-US" altLang="ja-JP" sz="2000" dirty="0"/>
               </a:p>
               <a:p>
+                <a:pPr/>
                 <a14:m>
                   <m:oMathPara xmlns:m="http://schemas.openxmlformats.org/officeDocument/2006/math">
                     <m:oMathParaPr>
@@ -26647,7 +26736,7 @@
             </p:txBody>
           </p:sp>
         </mc:Choice>
-        <mc:Fallback>
+        <mc:Fallback xmlns="">
           <p:sp>
             <p:nvSpPr>
               <p:cNvPr id="6" name="テキスト ボックス 5">
